--- a/websockets/system.pptx
+++ b/websockets/system.pptx
@@ -104,15 +104,12 @@
       </a:defRPr>
     </a:lvl9pPr>
   </p:defaultTextStyle>
+  <p:extLst>
+    <p:ext uri="{EFAFB233-063F-42B5-8137-9DF3F51BA10A}">
+      <p15:sldGuideLst xmlns:p15="http://schemas.microsoft.com/office/powerpoint/2012/main"/>
+    </p:ext>
+  </p:extLst>
 </p:presentation>
-</file>
-
-<file path=ppt/revisionInfo.xml><?xml version="1.0" encoding="utf-8"?>
-<p1510:revInfo xmlns:a="http://schemas.openxmlformats.org/drawingml/2006/main" xmlns:r="http://schemas.openxmlformats.org/officeDocument/2006/relationships" xmlns:p1510="http://schemas.microsoft.com/office/powerpoint/2015/10/main">
-  <p1510:revLst>
-    <p1510:client id="{964D0A33-FA35-4487-AFE0-2D2E38CD9F61}" v="77" dt="2023-08-07T21:08:16.428"/>
-  </p1510:revLst>
-</p1510:revInfo>
 </file>
 
 <file path=ppt/changesInfos/changesInfo1.xml><?xml version="1.0" encoding="utf-8"?>
@@ -405,6 +402,38 @@
       </pc:sldChg>
     </pc:docChg>
   </pc:docChgLst>
+  <pc:docChgLst>
+    <pc:chgData name="Debbie Dahl" userId="51f908005c879b07" providerId="LiveId" clId="{4BD10750-CDA3-4293-88A0-E99718BEE585}"/>
+    <pc:docChg chg="modSld">
+      <pc:chgData name="Debbie Dahl" userId="51f908005c879b07" providerId="LiveId" clId="{4BD10750-CDA3-4293-88A0-E99718BEE585}" dt="2023-11-10T15:12:37.780" v="40" actId="20577"/>
+      <pc:docMkLst>
+        <pc:docMk/>
+      </pc:docMkLst>
+      <pc:sldChg chg="modSp mod">
+        <pc:chgData name="Debbie Dahl" userId="51f908005c879b07" providerId="LiveId" clId="{4BD10750-CDA3-4293-88A0-E99718BEE585}" dt="2023-11-10T15:12:37.780" v="40" actId="20577"/>
+        <pc:sldMkLst>
+          <pc:docMk/>
+          <pc:sldMk cId="636623978" sldId="256"/>
+        </pc:sldMkLst>
+        <pc:spChg chg="mod">
+          <ac:chgData name="Debbie Dahl" userId="51f908005c879b07" providerId="LiveId" clId="{4BD10750-CDA3-4293-88A0-E99718BEE585}" dt="2023-11-10T15:12:37.780" v="40" actId="20577"/>
+          <ac:spMkLst>
+            <pc:docMk/>
+            <pc:sldMk cId="636623978" sldId="256"/>
+            <ac:spMk id="9" creationId="{E0898E89-DCC9-6EDC-D2C0-D38F0365CD38}"/>
+          </ac:spMkLst>
+        </pc:spChg>
+        <pc:cxnChg chg="mod">
+          <ac:chgData name="Debbie Dahl" userId="51f908005c879b07" providerId="LiveId" clId="{4BD10750-CDA3-4293-88A0-E99718BEE585}" dt="2023-11-10T15:12:33.587" v="24" actId="20577"/>
+          <ac:cxnSpMkLst>
+            <pc:docMk/>
+            <pc:sldMk cId="636623978" sldId="256"/>
+            <ac:cxnSpMk id="28" creationId="{566941A1-4E6B-9560-0E8B-D8646CED9341}"/>
+          </ac:cxnSpMkLst>
+        </pc:cxnChg>
+      </pc:sldChg>
+    </pc:docChg>
+  </pc:docChgLst>
 </pc:chgInfo>
 </file>
 
@@ -555,7 +584,7 @@
           <a:p>
             <a:fld id="{F81D7B7E-1C89-4B4D-9409-DA46B3D883D7}" type="datetimeFigureOut">
               <a:rPr lang="en-US" smtClean="0"/>
-              <a:t>8/7/2023</a:t>
+              <a:t>11/10/2023</a:t>
             </a:fld>
             <a:endParaRPr lang="en-US"/>
           </a:p>
@@ -753,7 +782,7 @@
           <a:p>
             <a:fld id="{F81D7B7E-1C89-4B4D-9409-DA46B3D883D7}" type="datetimeFigureOut">
               <a:rPr lang="en-US" smtClean="0"/>
-              <a:t>8/7/2023</a:t>
+              <a:t>11/10/2023</a:t>
             </a:fld>
             <a:endParaRPr lang="en-US"/>
           </a:p>
@@ -961,7 +990,7 @@
           <a:p>
             <a:fld id="{F81D7B7E-1C89-4B4D-9409-DA46B3D883D7}" type="datetimeFigureOut">
               <a:rPr lang="en-US" smtClean="0"/>
-              <a:t>8/7/2023</a:t>
+              <a:t>11/10/2023</a:t>
             </a:fld>
             <a:endParaRPr lang="en-US"/>
           </a:p>
@@ -1159,7 +1188,7 @@
           <a:p>
             <a:fld id="{F81D7B7E-1C89-4B4D-9409-DA46B3D883D7}" type="datetimeFigureOut">
               <a:rPr lang="en-US" smtClean="0"/>
-              <a:t>8/7/2023</a:t>
+              <a:t>11/10/2023</a:t>
             </a:fld>
             <a:endParaRPr lang="en-US"/>
           </a:p>
@@ -1434,7 +1463,7 @@
           <a:p>
             <a:fld id="{F81D7B7E-1C89-4B4D-9409-DA46B3D883D7}" type="datetimeFigureOut">
               <a:rPr lang="en-US" smtClean="0"/>
-              <a:t>8/7/2023</a:t>
+              <a:t>11/10/2023</a:t>
             </a:fld>
             <a:endParaRPr lang="en-US"/>
           </a:p>
@@ -1699,7 +1728,7 @@
           <a:p>
             <a:fld id="{F81D7B7E-1C89-4B4D-9409-DA46B3D883D7}" type="datetimeFigureOut">
               <a:rPr lang="en-US" smtClean="0"/>
-              <a:t>8/7/2023</a:t>
+              <a:t>11/10/2023</a:t>
             </a:fld>
             <a:endParaRPr lang="en-US"/>
           </a:p>
@@ -2111,7 +2140,7 @@
           <a:p>
             <a:fld id="{F81D7B7E-1C89-4B4D-9409-DA46B3D883D7}" type="datetimeFigureOut">
               <a:rPr lang="en-US" smtClean="0"/>
-              <a:t>8/7/2023</a:t>
+              <a:t>11/10/2023</a:t>
             </a:fld>
             <a:endParaRPr lang="en-US"/>
           </a:p>
@@ -2252,7 +2281,7 @@
           <a:p>
             <a:fld id="{F81D7B7E-1C89-4B4D-9409-DA46B3D883D7}" type="datetimeFigureOut">
               <a:rPr lang="en-US" smtClean="0"/>
-              <a:t>8/7/2023</a:t>
+              <a:t>11/10/2023</a:t>
             </a:fld>
             <a:endParaRPr lang="en-US"/>
           </a:p>
@@ -2365,7 +2394,7 @@
           <a:p>
             <a:fld id="{F81D7B7E-1C89-4B4D-9409-DA46B3D883D7}" type="datetimeFigureOut">
               <a:rPr lang="en-US" smtClean="0"/>
-              <a:t>8/7/2023</a:t>
+              <a:t>11/10/2023</a:t>
             </a:fld>
             <a:endParaRPr lang="en-US"/>
           </a:p>
@@ -2676,7 +2705,7 @@
           <a:p>
             <a:fld id="{F81D7B7E-1C89-4B4D-9409-DA46B3D883D7}" type="datetimeFigureOut">
               <a:rPr lang="en-US" smtClean="0"/>
-              <a:t>8/7/2023</a:t>
+              <a:t>11/10/2023</a:t>
             </a:fld>
             <a:endParaRPr lang="en-US"/>
           </a:p>
@@ -2964,7 +2993,7 @@
           <a:p>
             <a:fld id="{F81D7B7E-1C89-4B4D-9409-DA46B3D883D7}" type="datetimeFigureOut">
               <a:rPr lang="en-US" smtClean="0"/>
-              <a:t>8/7/2023</a:t>
+              <a:t>11/10/2023</a:t>
             </a:fld>
             <a:endParaRPr lang="en-US"/>
           </a:p>
@@ -3205,7 +3234,7 @@
           <a:p>
             <a:fld id="{F81D7B7E-1C89-4B4D-9409-DA46B3D883D7}" type="datetimeFigureOut">
               <a:rPr lang="en-US" smtClean="0"/>
-              <a:t>8/7/2023</a:t>
+              <a:t>11/10/2023</a:t>
             </a:fld>
             <a:endParaRPr lang="en-US"/>
           </a:p>
@@ -3812,7 +3841,7 @@
         <p:spPr>
           <a:xfrm>
             <a:off x="6151319" y="2646199"/>
-            <a:ext cx="1502670" cy="523220"/>
+            <a:ext cx="1502670" cy="738664"/>
           </a:xfrm>
           <a:prstGeom prst="rect">
             <a:avLst/>
@@ -3837,8 +3866,13 @@
           <a:p>
             <a:r>
               <a:rPr lang="en-US" sz="1400" dirty="0"/>
-              <a:t>Web socket server (localhost)</a:t>
-            </a:r>
+              <a:t>Web socket server (can be local </a:t>
+            </a:r>
+            <a:r>
+              <a:rPr lang="en-US" sz="1400"/>
+              <a:t>or remote)</a:t>
+            </a:r>
+            <a:endParaRPr lang="en-US" sz="1400" dirty="0"/>
           </a:p>
         </p:txBody>
       </p:sp>
@@ -4454,8 +4488,8 @@
         </p:nvCxnSpPr>
         <p:spPr>
           <a:xfrm>
-            <a:off x="6902654" y="3169419"/>
-            <a:ext cx="0" cy="483736"/>
+            <a:off x="6902654" y="3384863"/>
+            <a:ext cx="0" cy="268292"/>
           </a:xfrm>
           <a:prstGeom prst="straightConnector1">
             <a:avLst/>
